--- a/document/CI・CD/デプロイ自動化.pptx
+++ b/document/CI・CD/デプロイ自動化.pptx
@@ -16,6 +16,7 @@
     <p:sldId id="266" r:id="rId10"/>
     <p:sldId id="267" r:id="rId11"/>
     <p:sldId id="265" r:id="rId12"/>
+    <p:sldId id="268" r:id="rId13"/>
   </p:sldIdLst>
   <p:sldSz cx="12192000" cy="6858000"/>
   <p:notesSz cx="6858000" cy="9144000"/>
@@ -273,7 +274,7 @@
           <a:p>
             <a:fld id="{D208048B-57AF-4F53-BC84-8E0A1033FBEC}" type="datetimeFigureOut">
               <a:rPr lang="en-US" smtClean="0"/>
-              <a:t>5/28/2023</a:t>
+              <a:t>5/29/2023</a:t>
             </a:fld>
             <a:endParaRPr lang="en-US"/>
           </a:p>
@@ -471,7 +472,7 @@
           <a:p>
             <a:fld id="{D208048B-57AF-4F53-BC84-8E0A1033FBEC}" type="datetimeFigureOut">
               <a:rPr lang="en-US" smtClean="0"/>
-              <a:t>5/28/2023</a:t>
+              <a:t>5/29/2023</a:t>
             </a:fld>
             <a:endParaRPr lang="en-US"/>
           </a:p>
@@ -2008,7 +2009,7 @@
           <a:p>
             <a:fld id="{D208048B-57AF-4F53-BC84-8E0A1033FBEC}" type="datetimeFigureOut">
               <a:rPr lang="en-US" smtClean="0"/>
-              <a:t>5/28/2023</a:t>
+              <a:t>5/29/2023</a:t>
             </a:fld>
             <a:endParaRPr lang="en-US"/>
           </a:p>
@@ -2208,7 +2209,7 @@
           <a:p>
             <a:fld id="{D208048B-57AF-4F53-BC84-8E0A1033FBEC}" type="datetimeFigureOut">
               <a:rPr lang="en-US" smtClean="0"/>
-              <a:t>5/28/2023</a:t>
+              <a:t>5/29/2023</a:t>
             </a:fld>
             <a:endParaRPr lang="en-US"/>
           </a:p>
@@ -2486,7 +2487,7 @@
           <a:p>
             <a:fld id="{D208048B-57AF-4F53-BC84-8E0A1033FBEC}" type="datetimeFigureOut">
               <a:rPr lang="en-US" smtClean="0"/>
-              <a:t>5/28/2023</a:t>
+              <a:t>5/29/2023</a:t>
             </a:fld>
             <a:endParaRPr lang="en-US"/>
           </a:p>
@@ -3464,7 +3465,7 @@
           <a:p>
             <a:fld id="{D208048B-57AF-4F53-BC84-8E0A1033FBEC}" type="datetimeFigureOut">
               <a:rPr lang="en-US" smtClean="0"/>
-              <a:t>5/28/2023</a:t>
+              <a:t>5/29/2023</a:t>
             </a:fld>
             <a:endParaRPr lang="en-US"/>
           </a:p>
@@ -4584,7 +4585,7 @@
           <a:p>
             <a:fld id="{D208048B-57AF-4F53-BC84-8E0A1033FBEC}" type="datetimeFigureOut">
               <a:rPr lang="en-US" smtClean="0"/>
-              <a:t>5/28/2023</a:t>
+              <a:t>5/29/2023</a:t>
             </a:fld>
             <a:endParaRPr lang="en-US"/>
           </a:p>
@@ -4731,7 +4732,7 @@
           <a:p>
             <a:fld id="{D208048B-57AF-4F53-BC84-8E0A1033FBEC}" type="datetimeFigureOut">
               <a:rPr lang="en-US" smtClean="0"/>
-              <a:t>5/28/2023</a:t>
+              <a:t>5/29/2023</a:t>
             </a:fld>
             <a:endParaRPr lang="en-US"/>
           </a:p>
@@ -4844,7 +4845,7 @@
           <a:p>
             <a:fld id="{D208048B-57AF-4F53-BC84-8E0A1033FBEC}" type="datetimeFigureOut">
               <a:rPr lang="en-US" smtClean="0"/>
-              <a:t>5/28/2023</a:t>
+              <a:t>5/29/2023</a:t>
             </a:fld>
             <a:endParaRPr lang="en-US"/>
           </a:p>
@@ -6490,7 +6491,7 @@
           <a:p>
             <a:fld id="{D208048B-57AF-4F53-BC84-8E0A1033FBEC}" type="datetimeFigureOut">
               <a:rPr lang="en-US" smtClean="0"/>
-              <a:t>5/28/2023</a:t>
+              <a:t>5/29/2023</a:t>
             </a:fld>
             <a:endParaRPr lang="en-US"/>
           </a:p>
@@ -8128,7 +8129,7 @@
           <a:p>
             <a:fld id="{D208048B-57AF-4F53-BC84-8E0A1033FBEC}" type="datetimeFigureOut">
               <a:rPr lang="en-US" smtClean="0"/>
-              <a:t>5/28/2023</a:t>
+              <a:t>5/29/2023</a:t>
             </a:fld>
             <a:endParaRPr lang="en-US"/>
           </a:p>
@@ -9051,7 +9052,7 @@
             <a:fld id="{D208048B-57AF-4F53-BC84-8E0A1033FBEC}" type="datetimeFigureOut">
               <a:rPr lang="en-US" smtClean="0"/>
               <a:pPr/>
-              <a:t>5/28/2023</a:t>
+              <a:t>5/29/2023</a:t>
             </a:fld>
             <a:endParaRPr lang="en-US" dirty="0"/>
           </a:p>
@@ -11027,7 +11028,7 @@
             </a:r>
             <a:r>
               <a:rPr kumimoji="1" lang="ja-JP" altLang="en-US" dirty="0"/>
-              <a:t>デプロイスクリプトにより</a:t>
+              <a:t>デプロイのスクリプトにより</a:t>
             </a:r>
             <a:r>
               <a:rPr kumimoji="1" lang="en-US" altLang="ja-JP" dirty="0"/>
@@ -11073,7 +11074,7 @@
             </a:r>
             <a:r>
               <a:rPr kumimoji="1" lang="ja-JP" altLang="en-US" dirty="0"/>
-              <a:t>に対して、</a:t>
+              <a:t>に対し、</a:t>
             </a:r>
             <a:r>
               <a:rPr kumimoji="1" lang="en-US" altLang="ja-JP" dirty="0"/>
@@ -11127,7 +11128,7 @@
             </a:r>
             <a:r>
               <a:rPr kumimoji="1" lang="ja-JP" altLang="en-US" dirty="0"/>
-              <a:t>に対して、</a:t>
+              <a:t>に対し、</a:t>
             </a:r>
             <a:r>
               <a:rPr kumimoji="1" lang="en-US" altLang="ja-JP" dirty="0"/>
@@ -11135,7 +11136,23 @@
             </a:r>
             <a:r>
               <a:rPr kumimoji="1" lang="ja-JP" altLang="en-US" dirty="0"/>
-              <a:t>に事前に用意されているスクリプトを実行し、再デプロイを行う。</a:t>
+              <a:t>に事前に用意されているスクリプト</a:t>
+            </a:r>
+            <a:r>
+              <a:rPr kumimoji="1" lang="en-US" altLang="ja-JP" dirty="0"/>
+              <a:t>(</a:t>
+            </a:r>
+            <a:r>
+              <a:rPr kumimoji="1" lang="ja-JP" altLang="en-US" dirty="0"/>
+              <a:t>再デプロイ関連</a:t>
+            </a:r>
+            <a:r>
+              <a:rPr kumimoji="1" lang="en-US" altLang="ja-JP" dirty="0"/>
+              <a:t>)</a:t>
+            </a:r>
+            <a:r>
+              <a:rPr kumimoji="1" lang="ja-JP" altLang="en-US" dirty="0"/>
+              <a:t>を実行し、再デプロイを行う。</a:t>
             </a:r>
             <a:endParaRPr kumimoji="1" lang="en-US" altLang="ja-JP" dirty="0"/>
           </a:p>
@@ -11189,18 +11206,19 @@
         </p:nvSpPr>
         <p:spPr/>
         <p:txBody>
-          <a:bodyPr/>
+          <a:bodyPr>
+            <a:normAutofit/>
+          </a:bodyPr>
           <a:lstStyle/>
           <a:p>
-            <a:r>
-              <a:rPr kumimoji="1" lang="ja-JP" altLang="en-US" dirty="0"/>
-              <a:t>参考</a:t>
-            </a:r>
-            <a:r>
-              <a:rPr kumimoji="1" lang="en-US" altLang="ja-JP" dirty="0"/>
-              <a:t>URL</a:t>
-            </a:r>
-            <a:endParaRPr kumimoji="1" lang="ja-JP" altLang="en-US" dirty="0"/>
+            <a:pPr marL="0" indent="0">
+              <a:buNone/>
+            </a:pPr>
+            <a:r>
+              <a:rPr kumimoji="1" lang="ja-JP" altLang="en-US" sz="2800" dirty="0"/>
+              <a:t>実装する時、参考になるような情報まとめ</a:t>
+            </a:r>
+            <a:endParaRPr kumimoji="1" lang="en-US" altLang="ja-JP" sz="2800" dirty="0"/>
           </a:p>
         </p:txBody>
       </p:sp>
@@ -11225,16 +11243,6 @@
           <a:bodyPr/>
           <a:lstStyle/>
           <a:p>
-            <a:pPr marL="0" indent="0">
-              <a:buNone/>
-            </a:pPr>
-            <a:r>
-              <a:rPr kumimoji="1" lang="ja-JP" altLang="en-US" dirty="0"/>
-              <a:t>実装時、役に立てるよな情報</a:t>
-            </a:r>
-            <a:endParaRPr kumimoji="1" lang="en-US" altLang="ja-JP" dirty="0"/>
-          </a:p>
-          <a:p>
             <a:r>
               <a:rPr kumimoji="1" lang="en-US" altLang="ja-JP" dirty="0">
                 <a:hlinkClick r:id="rId2"/>
@@ -11246,6 +11254,78 @@
                 <a:hlinkClick r:id="rId2"/>
               </a:rPr>
               <a:t>を使用したデプロイ</a:t>
+            </a:r>
+            <a:endParaRPr kumimoji="1" lang="en-US" altLang="ja-JP" dirty="0"/>
+          </a:p>
+          <a:p>
+            <a:r>
+              <a:rPr kumimoji="1" lang="en-US" altLang="ja-JP" sz="1800" dirty="0" err="1">
+                <a:hlinkClick r:id="rId3"/>
+              </a:rPr>
+              <a:t>Github</a:t>
+            </a:r>
+            <a:r>
+              <a:rPr kumimoji="1" lang="en-US" altLang="ja-JP" sz="1800" dirty="0">
+                <a:hlinkClick r:id="rId3"/>
+              </a:rPr>
+              <a:t> Action</a:t>
+            </a:r>
+            <a:r>
+              <a:rPr kumimoji="1" lang="ja-JP" altLang="en-US" sz="1800" dirty="0">
+                <a:hlinkClick r:id="rId3"/>
+              </a:rPr>
+              <a:t>の作成方法とレポジトリのイベントのキャッチ方法</a:t>
+            </a:r>
+            <a:endParaRPr kumimoji="1" lang="en-US" altLang="ja-JP" sz="1800" dirty="0"/>
+          </a:p>
+          <a:p>
+            <a:r>
+              <a:rPr kumimoji="1" lang="en-US" altLang="ja-JP" dirty="0" err="1">
+                <a:hlinkClick r:id="rId4"/>
+              </a:rPr>
+              <a:t>Github</a:t>
+            </a:r>
+            <a:r>
+              <a:rPr kumimoji="1" lang="ja-JP" altLang="en-US" dirty="0">
+                <a:hlinkClick r:id="rId4"/>
+              </a:rPr>
+              <a:t> </a:t>
+            </a:r>
+            <a:r>
+              <a:rPr kumimoji="1" lang="en-US" altLang="ja-JP" dirty="0">
+                <a:hlinkClick r:id="rId4"/>
+              </a:rPr>
+              <a:t>Action</a:t>
+            </a:r>
+            <a:r>
+              <a:rPr kumimoji="1" lang="ja-JP" altLang="en-US" dirty="0">
+                <a:hlinkClick r:id="rId4"/>
+              </a:rPr>
+              <a:t>で</a:t>
+            </a:r>
+            <a:r>
+              <a:rPr kumimoji="1" lang="en-US" altLang="ja-JP" dirty="0">
+                <a:hlinkClick r:id="rId4"/>
+              </a:rPr>
+              <a:t>EC2</a:t>
+            </a:r>
+            <a:r>
+              <a:rPr kumimoji="1" lang="ja-JP" altLang="en-US" dirty="0">
+                <a:hlinkClick r:id="rId4"/>
+              </a:rPr>
+              <a:t>に</a:t>
+            </a:r>
+            <a:r>
+              <a:rPr kumimoji="1" lang="en-US" altLang="ja-JP" dirty="0">
+                <a:hlinkClick r:id="rId4"/>
+              </a:rPr>
+              <a:t>SSH</a:t>
+            </a:r>
+            <a:r>
+              <a:rPr kumimoji="1" lang="ja-JP" altLang="en-US" dirty="0">
+                <a:hlinkClick r:id="rId4"/>
+              </a:rPr>
+              <a:t>接続方法、環境変数設定方法</a:t>
             </a:r>
             <a:endParaRPr kumimoji="1" lang="en-US" altLang="ja-JP" dirty="0"/>
           </a:p>
@@ -11255,6 +11335,106 @@
     <p:extLst>
       <p:ext uri="{BB962C8B-B14F-4D97-AF65-F5344CB8AC3E}">
         <p14:creationId xmlns:p14="http://schemas.microsoft.com/office/powerpoint/2010/main" val="1717199040"/>
+      </p:ext>
+    </p:extLst>
+  </p:cSld>
+  <p:clrMapOvr>
+    <a:masterClrMapping/>
+  </p:clrMapOvr>
+</p:sld>
+</file>
+
+<file path=ppt/slides/slide12.xml><?xml version="1.0" encoding="utf-8"?>
+<p:sld xmlns:a="http://schemas.openxmlformats.org/drawingml/2006/main" xmlns:r="http://schemas.openxmlformats.org/officeDocument/2006/relationships" xmlns:p="http://schemas.openxmlformats.org/presentationml/2006/main">
+  <p:cSld>
+    <p:spTree>
+      <p:nvGrpSpPr>
+        <p:cNvPr id="1" name=""/>
+        <p:cNvGrpSpPr/>
+        <p:nvPr/>
+      </p:nvGrpSpPr>
+      <p:grpSpPr>
+        <a:xfrm>
+          <a:off x="0" y="0"/>
+          <a:ext cx="0" cy="0"/>
+          <a:chOff x="0" y="0"/>
+          <a:chExt cx="0" cy="0"/>
+        </a:xfrm>
+      </p:grpSpPr>
+      <p:pic>
+        <p:nvPicPr>
+          <p:cNvPr id="4" name="Picture 3" descr="Colored pencils inside a pencil holder which is on top of a wood table">
+            <a:extLst>
+              <a:ext uri="{FF2B5EF4-FFF2-40B4-BE49-F238E27FC236}">
+                <a16:creationId xmlns:a16="http://schemas.microsoft.com/office/drawing/2014/main" id="{3BD459DE-D67C-982C-255D-7EF7E6C55071}"/>
+              </a:ext>
+            </a:extLst>
+          </p:cNvPr>
+          <p:cNvPicPr>
+            <a:picLocks noChangeAspect="1"/>
+          </p:cNvPicPr>
+          <p:nvPr/>
+        </p:nvPicPr>
+        <p:blipFill rotWithShape="1">
+          <a:blip r:embed="rId2">
+            <a:alphaModFix amt="60000"/>
+          </a:blip>
+          <a:srcRect t="15709" r="-1" b="-1"/>
+          <a:stretch/>
+        </p:blipFill>
+        <p:spPr>
+          <a:xfrm>
+            <a:off x="20" y="10"/>
+            <a:ext cx="12188921" cy="6857990"/>
+          </a:xfrm>
+          <a:prstGeom prst="rect">
+            <a:avLst/>
+          </a:prstGeom>
+        </p:spPr>
+      </p:pic>
+      <p:sp>
+        <p:nvSpPr>
+          <p:cNvPr id="2" name="Title 1">
+            <a:extLst>
+              <a:ext uri="{FF2B5EF4-FFF2-40B4-BE49-F238E27FC236}">
+                <a16:creationId xmlns:a16="http://schemas.microsoft.com/office/drawing/2014/main" id="{91C20A66-E72C-5C68-A777-C3B6336DAEA8}"/>
+              </a:ext>
+            </a:extLst>
+          </p:cNvPr>
+          <p:cNvSpPr>
+            <a:spLocks noGrp="1"/>
+          </p:cNvSpPr>
+          <p:nvPr>
+            <p:ph type="ctrTitle"/>
+          </p:nvPr>
+        </p:nvSpPr>
+        <p:spPr>
+          <a:xfrm>
+            <a:off x="394232" y="686020"/>
+            <a:ext cx="8722607" cy="2742980"/>
+          </a:xfrm>
+        </p:spPr>
+        <p:txBody>
+          <a:bodyPr>
+            <a:normAutofit/>
+          </a:bodyPr>
+          <a:lstStyle/>
+          <a:p>
+            <a:r>
+              <a:rPr kumimoji="1" lang="ja-JP" altLang="en-US" sz="4000" dirty="0">
+                <a:solidFill>
+                  <a:srgbClr val="FFFFFF"/>
+                </a:solidFill>
+              </a:rPr>
+              <a:t>ご清聴ありがとうございました。</a:t>
+            </a:r>
+          </a:p>
+        </p:txBody>
+      </p:sp>
+    </p:spTree>
+    <p:extLst>
+      <p:ext uri="{BB962C8B-B14F-4D97-AF65-F5344CB8AC3E}">
+        <p14:creationId xmlns:p14="http://schemas.microsoft.com/office/powerpoint/2010/main" val="338960211"/>
       </p:ext>
     </p:extLst>
   </p:cSld>
@@ -11422,6 +11602,24 @@
                 </a:solidFill>
               </a:rPr>
               <a:t>の設計</a:t>
+            </a:r>
+            <a:endParaRPr kumimoji="1" lang="en-US" altLang="ja-JP" dirty="0">
+              <a:solidFill>
+                <a:srgbClr val="FFFFFF"/>
+              </a:solidFill>
+            </a:endParaRPr>
+          </a:p>
+          <a:p>
+            <a:endParaRPr kumimoji="1" lang="en-US" altLang="ja-JP" dirty="0">
+              <a:solidFill>
+                <a:srgbClr val="FFFFFF"/>
+              </a:solidFill>
+            </a:endParaRPr>
+          </a:p>
+          <a:p>
+            <a:r>
+              <a:rPr kumimoji="1" lang="ja-JP" altLang="en-US" dirty="0"/>
+              <a:t>実装する時、参考になるような情報まとめ</a:t>
             </a:r>
             <a:endParaRPr kumimoji="1" lang="en-US" altLang="ja-JP" dirty="0"/>
           </a:p>
@@ -11515,7 +11713,19 @@
             </a:pPr>
             <a:r>
               <a:rPr kumimoji="1" lang="ja-JP" altLang="en-US" dirty="0"/>
-              <a:t>コードに修正が発生した時、本番環境まで反映するための手順</a:t>
+              <a:t>コードに修正が発生した時、本番環境まで反映するために</a:t>
+            </a:r>
+            <a:r>
+              <a:rPr kumimoji="1" lang="ja-JP" altLang="en-US" dirty="0">
+                <a:solidFill>
+                  <a:schemeClr val="bg1"/>
+                </a:solidFill>
+              </a:rPr>
+              <a:t>以下の手順が毎回必要</a:t>
+            </a:r>
+            <a:r>
+              <a:rPr kumimoji="1" lang="ja-JP" altLang="en-US" dirty="0"/>
+              <a:t>です。</a:t>
             </a:r>
             <a:endParaRPr kumimoji="1" lang="en-US" altLang="ja-JP" dirty="0"/>
           </a:p>
@@ -11620,7 +11830,7 @@
             </a:pPr>
             <a:r>
               <a:rPr kumimoji="1" lang="ja-JP" altLang="en-US" dirty="0"/>
-              <a:t>デプロイスクリプトにより</a:t>
+              <a:t>デプロイのスクリプトにより</a:t>
             </a:r>
             <a:r>
               <a:rPr kumimoji="1" lang="en-US" altLang="ja-JP" dirty="0"/>
@@ -11780,22 +11990,22 @@
               <a:buNone/>
             </a:pPr>
             <a:r>
-              <a:rPr kumimoji="1" lang="en-US" altLang="ja-JP" dirty="0"/>
+              <a:rPr kumimoji="1" lang="en-US" altLang="ja-JP" sz="1800" dirty="0"/>
               <a:t>※</a:t>
             </a:r>
             <a:r>
-              <a:rPr kumimoji="1" lang="ja-JP" altLang="en-US" dirty="0"/>
+              <a:rPr kumimoji="1" lang="ja-JP" altLang="en-US" sz="1800" dirty="0"/>
               <a:t>上記</a:t>
             </a:r>
             <a:r>
-              <a:rPr kumimoji="1" lang="en-US" altLang="ja-JP" dirty="0"/>
+              <a:rPr kumimoji="1" lang="en-US" altLang="ja-JP" sz="1800" dirty="0"/>
               <a:t>1</a:t>
             </a:r>
             <a:r>
-              <a:rPr kumimoji="1" lang="ja-JP" altLang="en-US" dirty="0"/>
-              <a:t>については、目標管理対象ではないため見送り</a:t>
-            </a:r>
-            <a:endParaRPr kumimoji="1" lang="en-US" altLang="ja-JP" dirty="0"/>
+              <a:rPr kumimoji="1" lang="ja-JP" altLang="en-US" sz="1800" dirty="0"/>
+              <a:t>については、目標管理対象ではないため、今回は見送り</a:t>
+            </a:r>
+            <a:endParaRPr kumimoji="1" lang="en-US" altLang="ja-JP" sz="1800" dirty="0"/>
           </a:p>
           <a:p>
             <a:pPr marL="457200" indent="-457200">
@@ -11804,7 +12014,7 @@
             </a:pPr>
             <a:r>
               <a:rPr kumimoji="1" lang="ja-JP" altLang="en-US" dirty="0"/>
-              <a:t>毎回再デプロイするのが面倒くさくて、再デプロイは修正した内容をためて行うことになる。</a:t>
+              <a:t>毎回再デプロイするのが面倒くさくて、再デプロイは修正した内容をためて行うことになってしまう。</a:t>
             </a:r>
             <a:r>
               <a:rPr kumimoji="1" lang="en-US" altLang="ja-JP" dirty="0"/>
@@ -13178,20 +13388,6 @@
             <a:endParaRPr kumimoji="1" lang="en-US" altLang="ja-JP" dirty="0"/>
           </a:p>
           <a:p>
-            <a:pPr marL="457200" lvl="1" indent="0">
-              <a:buNone/>
-            </a:pPr>
-            <a:r>
-              <a:rPr kumimoji="1" lang="en-US" altLang="ja-JP" dirty="0"/>
-              <a:t>=&gt;</a:t>
-            </a:r>
-            <a:r>
-              <a:rPr kumimoji="1" lang="ja-JP" altLang="en-US" dirty="0"/>
-              <a:t>自動化不可能のため、省略</a:t>
-            </a:r>
-            <a:endParaRPr kumimoji="1" lang="en-US" altLang="ja-JP" dirty="0"/>
-          </a:p>
-          <a:p>
             <a:pPr marL="457200" indent="-457200">
               <a:buFont typeface="+mj-lt"/>
               <a:buAutoNum type="arabicPeriod"/>
@@ -13275,7 +13471,7 @@
             </a:pPr>
             <a:r>
               <a:rPr kumimoji="1" lang="ja-JP" altLang="en-US" dirty="0"/>
-              <a:t>デプロイスクリプトにより</a:t>
+              <a:t>デプロイのスクリプトにより</a:t>
             </a:r>
             <a:r>
               <a:rPr kumimoji="1" lang="en-US" altLang="ja-JP" dirty="0"/>
@@ -13284,6 +13480,26 @@
             <a:r>
               <a:rPr kumimoji="1" lang="ja-JP" altLang="en-US" dirty="0"/>
               <a:t>を再デプロイを行う</a:t>
+            </a:r>
+            <a:endParaRPr kumimoji="1" lang="en-US" altLang="ja-JP" dirty="0"/>
+          </a:p>
+          <a:p>
+            <a:pPr marL="0" indent="0">
+              <a:buNone/>
+            </a:pPr>
+            <a:endParaRPr kumimoji="1" lang="en-US" altLang="ja-JP" dirty="0"/>
+          </a:p>
+          <a:p>
+            <a:pPr marL="0" indent="0">
+              <a:buNone/>
+            </a:pPr>
+            <a:r>
+              <a:rPr kumimoji="1" lang="en-US" altLang="ja-JP" dirty="0"/>
+              <a:t>1</a:t>
+            </a:r>
+            <a:r>
+              <a:rPr kumimoji="1" lang="ja-JP" altLang="en-US" dirty="0"/>
+              <a:t>は自動化不可能のため、対象外</a:t>
             </a:r>
             <a:endParaRPr kumimoji="1" lang="en-US" altLang="ja-JP" dirty="0"/>
           </a:p>
@@ -13495,9 +13711,20 @@
             </a:r>
             <a:r>
               <a:rPr kumimoji="1" lang="ja-JP" altLang="en-US" dirty="0"/>
-              <a:t>ブランチにコミットまたはプールリクエストが発生した場合にそのイベントをキャッチし、デプロイ自動化を行う。</a:t>
-            </a:r>
-            <a:endParaRPr kumimoji="1" lang="en-US" altLang="ja-JP" dirty="0"/>
+              <a:t>ブランチにコミットまたはプールリクエストが発生した場合にそのイベントをキャッチする。</a:t>
+            </a:r>
+            <a:r>
+              <a:rPr kumimoji="1" lang="en-US" altLang="ja-JP" dirty="0"/>
+              <a:t>(</a:t>
+            </a:r>
+            <a:r>
+              <a:rPr kumimoji="1" lang="ja-JP" altLang="en-US" dirty="0"/>
+              <a:t>入口</a:t>
+            </a:r>
+            <a:r>
+              <a:rPr kumimoji="1" lang="en-US" altLang="ja-JP" dirty="0"/>
+              <a:t>)</a:t>
+            </a:r>
           </a:p>
         </p:txBody>
       </p:sp>
@@ -13699,15 +13926,7 @@
             </a:r>
             <a:r>
               <a:rPr kumimoji="1" lang="ja-JP" altLang="en-US" dirty="0"/>
-              <a:t>を用いて</a:t>
-            </a:r>
-            <a:r>
-              <a:rPr kumimoji="1" lang="en-US" altLang="ja-JP" dirty="0"/>
-              <a:t>Maven install</a:t>
-            </a:r>
-            <a:r>
-              <a:rPr kumimoji="1" lang="ja-JP" altLang="en-US" dirty="0"/>
-              <a:t>コマンドを使い、</a:t>
+              <a:t>のビルド関連コマンドを使い、</a:t>
             </a:r>
             <a:r>
               <a:rPr kumimoji="1" lang="en-US" altLang="ja-JP" dirty="0"/>

--- a/document/CI・CD/デプロイ自動化.pptx
+++ b/document/CI・CD/デプロイ自動化.pptx
@@ -274,7 +274,7 @@
           <a:p>
             <a:fld id="{D208048B-57AF-4F53-BC84-8E0A1033FBEC}" type="datetimeFigureOut">
               <a:rPr lang="en-US" smtClean="0"/>
-              <a:t>5/29/2023</a:t>
+              <a:t>6/14/2023</a:t>
             </a:fld>
             <a:endParaRPr lang="en-US"/>
           </a:p>
@@ -472,7 +472,7 @@
           <a:p>
             <a:fld id="{D208048B-57AF-4F53-BC84-8E0A1033FBEC}" type="datetimeFigureOut">
               <a:rPr lang="en-US" smtClean="0"/>
-              <a:t>5/29/2023</a:t>
+              <a:t>6/14/2023</a:t>
             </a:fld>
             <a:endParaRPr lang="en-US"/>
           </a:p>
@@ -2009,7 +2009,7 @@
           <a:p>
             <a:fld id="{D208048B-57AF-4F53-BC84-8E0A1033FBEC}" type="datetimeFigureOut">
               <a:rPr lang="en-US" smtClean="0"/>
-              <a:t>5/29/2023</a:t>
+              <a:t>6/14/2023</a:t>
             </a:fld>
             <a:endParaRPr lang="en-US"/>
           </a:p>
@@ -2209,7 +2209,7 @@
           <a:p>
             <a:fld id="{D208048B-57AF-4F53-BC84-8E0A1033FBEC}" type="datetimeFigureOut">
               <a:rPr lang="en-US" smtClean="0"/>
-              <a:t>5/29/2023</a:t>
+              <a:t>6/14/2023</a:t>
             </a:fld>
             <a:endParaRPr lang="en-US"/>
           </a:p>
@@ -2487,7 +2487,7 @@
           <a:p>
             <a:fld id="{D208048B-57AF-4F53-BC84-8E0A1033FBEC}" type="datetimeFigureOut">
               <a:rPr lang="en-US" smtClean="0"/>
-              <a:t>5/29/2023</a:t>
+              <a:t>6/14/2023</a:t>
             </a:fld>
             <a:endParaRPr lang="en-US"/>
           </a:p>
@@ -3465,7 +3465,7 @@
           <a:p>
             <a:fld id="{D208048B-57AF-4F53-BC84-8E0A1033FBEC}" type="datetimeFigureOut">
               <a:rPr lang="en-US" smtClean="0"/>
-              <a:t>5/29/2023</a:t>
+              <a:t>6/14/2023</a:t>
             </a:fld>
             <a:endParaRPr lang="en-US"/>
           </a:p>
@@ -4585,7 +4585,7 @@
           <a:p>
             <a:fld id="{D208048B-57AF-4F53-BC84-8E0A1033FBEC}" type="datetimeFigureOut">
               <a:rPr lang="en-US" smtClean="0"/>
-              <a:t>5/29/2023</a:t>
+              <a:t>6/14/2023</a:t>
             </a:fld>
             <a:endParaRPr lang="en-US"/>
           </a:p>
@@ -4732,7 +4732,7 @@
           <a:p>
             <a:fld id="{D208048B-57AF-4F53-BC84-8E0A1033FBEC}" type="datetimeFigureOut">
               <a:rPr lang="en-US" smtClean="0"/>
-              <a:t>5/29/2023</a:t>
+              <a:t>6/14/2023</a:t>
             </a:fld>
             <a:endParaRPr lang="en-US"/>
           </a:p>
@@ -4845,7 +4845,7 @@
           <a:p>
             <a:fld id="{D208048B-57AF-4F53-BC84-8E0A1033FBEC}" type="datetimeFigureOut">
               <a:rPr lang="en-US" smtClean="0"/>
-              <a:t>5/29/2023</a:t>
+              <a:t>6/14/2023</a:t>
             </a:fld>
             <a:endParaRPr lang="en-US"/>
           </a:p>
@@ -6491,7 +6491,7 @@
           <a:p>
             <a:fld id="{D208048B-57AF-4F53-BC84-8E0A1033FBEC}" type="datetimeFigureOut">
               <a:rPr lang="en-US" smtClean="0"/>
-              <a:t>5/29/2023</a:t>
+              <a:t>6/14/2023</a:t>
             </a:fld>
             <a:endParaRPr lang="en-US"/>
           </a:p>
@@ -8129,7 +8129,7 @@
           <a:p>
             <a:fld id="{D208048B-57AF-4F53-BC84-8E0A1033FBEC}" type="datetimeFigureOut">
               <a:rPr lang="en-US" smtClean="0"/>
-              <a:t>5/29/2023</a:t>
+              <a:t>6/14/2023</a:t>
             </a:fld>
             <a:endParaRPr lang="en-US"/>
           </a:p>
@@ -9052,7 +9052,7 @@
             <a:fld id="{D208048B-57AF-4F53-BC84-8E0A1033FBEC}" type="datetimeFigureOut">
               <a:rPr lang="en-US" smtClean="0"/>
               <a:pPr/>
-              <a:t>5/29/2023</a:t>
+              <a:t>6/14/2023</a:t>
             </a:fld>
             <a:endParaRPr lang="en-US" dirty="0"/>
           </a:p>
@@ -12329,7 +12329,7 @@
             <p:ph idx="1"/>
             <p:extLst>
               <p:ext uri="{D42A27DB-BD31-4B8C-83A1-F6EECF244321}">
-                <p14:modId xmlns:p14="http://schemas.microsoft.com/office/powerpoint/2010/main" val="1158186228"/>
+                <p14:modId xmlns:p14="http://schemas.microsoft.com/office/powerpoint/2010/main" val="3390462121"/>
               </p:ext>
             </p:extLst>
           </p:nvPr>
@@ -12719,8 +12719,16 @@
                     <a:lstStyle/>
                     <a:p>
                       <a:r>
-                        <a:rPr kumimoji="1" lang="ja-JP" altLang="en-US" sz="1400" dirty="0"/>
-                        <a:t>・機能が豊かな分習うことが多い</a:t>
+                        <a:rPr kumimoji="1" lang="ja-JP" altLang="en-US" sz="900" dirty="0"/>
+                        <a:t>・計画では</a:t>
+                      </a:r>
+                      <a:r>
+                        <a:rPr kumimoji="1" lang="en-US" altLang="ja-JP" sz="900" dirty="0"/>
+                        <a:t>1</a:t>
+                      </a:r>
+                      <a:r>
+                        <a:rPr kumimoji="1" lang="ja-JP" altLang="en-US" sz="900" dirty="0"/>
+                        <a:t>ヵ月でデプロイ自動化を実装する必要があるが、本ツールは機能が豊かなためスケジュールに間に合わなさそう</a:t>
                       </a:r>
                     </a:p>
                   </a:txBody>
